--- a/제안서/발표용 제안서/작업 진행표_수정_김선필.pptx
+++ b/제안서/발표용 제안서/작업 진행표_수정_김선필.pptx
@@ -13757,7 +13757,7 @@
           <p:nvPr>
             <p:extLst>
               <p:ext uri="{D42A27DB-BD31-4B8C-83A1-F6EECF244321}">
-                <p14:modId xmlns:p14="http://schemas.microsoft.com/office/powerpoint/2010/main" val="2404587863"/>
+                <p14:modId xmlns:p14="http://schemas.microsoft.com/office/powerpoint/2010/main" val="77396894"/>
               </p:ext>
             </p:extLst>
           </p:nvPr>
@@ -14483,6 +14483,15 @@
                       <a:headEnd type="none" w="med" len="med"/>
                       <a:tailEnd type="none" w="med" len="med"/>
                     </a:lnB>
+                    <a:lnBlToTr w="12700" cap="flat" cmpd="sng" algn="ctr">
+                      <a:solidFill>
+                        <a:schemeClr val="tx1"/>
+                      </a:solidFill>
+                      <a:prstDash val="solid"/>
+                      <a:round/>
+                      <a:headEnd type="none" w="med" len="med"/>
+                      <a:tailEnd type="none" w="med" len="med"/>
+                    </a:lnBlToTr>
                     <a:solidFill>
                       <a:srgbClr val="00B0F0"/>
                     </a:solidFill>
@@ -14538,6 +14547,15 @@
                       <a:headEnd type="none" w="med" len="med"/>
                       <a:tailEnd type="none" w="med" len="med"/>
                     </a:lnB>
+                    <a:lnBlToTr w="12700" cap="flat" cmpd="sng" algn="ctr">
+                      <a:solidFill>
+                        <a:schemeClr val="tx1"/>
+                      </a:solidFill>
+                      <a:prstDash val="solid"/>
+                      <a:round/>
+                      <a:headEnd type="none" w="med" len="med"/>
+                      <a:tailEnd type="none" w="med" len="med"/>
+                    </a:lnBlToTr>
                     <a:solidFill>
                       <a:srgbClr val="00B0F0"/>
                     </a:solidFill>
@@ -14593,6 +14611,15 @@
                       <a:headEnd type="none" w="med" len="med"/>
                       <a:tailEnd type="none" w="med" len="med"/>
                     </a:lnB>
+                    <a:lnBlToTr w="12700" cap="flat" cmpd="sng" algn="ctr">
+                      <a:solidFill>
+                        <a:schemeClr val="tx1"/>
+                      </a:solidFill>
+                      <a:prstDash val="solid"/>
+                      <a:round/>
+                      <a:headEnd type="none" w="med" len="med"/>
+                      <a:tailEnd type="none" w="med" len="med"/>
+                    </a:lnBlToTr>
                     <a:solidFill>
                       <a:srgbClr val="00B0F0"/>
                     </a:solidFill>
@@ -14648,6 +14675,15 @@
                       <a:headEnd type="none" w="med" len="med"/>
                       <a:tailEnd type="none" w="med" len="med"/>
                     </a:lnB>
+                    <a:lnBlToTr w="12700" cap="flat" cmpd="sng" algn="ctr">
+                      <a:solidFill>
+                        <a:schemeClr val="tx1"/>
+                      </a:solidFill>
+                      <a:prstDash val="solid"/>
+                      <a:round/>
+                      <a:headEnd type="none" w="med" len="med"/>
+                      <a:tailEnd type="none" w="med" len="med"/>
+                    </a:lnBlToTr>
                     <a:solidFill>
                       <a:srgbClr val="00B0F0"/>
                     </a:solidFill>
@@ -14703,6 +14739,15 @@
                       <a:headEnd type="none" w="med" len="med"/>
                       <a:tailEnd type="none" w="med" len="med"/>
                     </a:lnB>
+                    <a:lnBlToTr w="12700" cap="flat" cmpd="sng" algn="ctr">
+                      <a:solidFill>
+                        <a:schemeClr val="tx1"/>
+                      </a:solidFill>
+                      <a:prstDash val="solid"/>
+                      <a:round/>
+                      <a:headEnd type="none" w="med" len="med"/>
+                      <a:tailEnd type="none" w="med" len="med"/>
+                    </a:lnBlToTr>
                     <a:solidFill>
                       <a:srgbClr val="00B0F0"/>
                     </a:solidFill>
@@ -14758,6 +14803,15 @@
                       <a:headEnd type="none" w="med" len="med"/>
                       <a:tailEnd type="none" w="med" len="med"/>
                     </a:lnB>
+                    <a:lnBlToTr w="12700" cap="flat" cmpd="sng" algn="ctr">
+                      <a:solidFill>
+                        <a:schemeClr val="tx1"/>
+                      </a:solidFill>
+                      <a:prstDash val="solid"/>
+                      <a:round/>
+                      <a:headEnd type="none" w="med" len="med"/>
+                      <a:tailEnd type="none" w="med" len="med"/>
+                    </a:lnBlToTr>
                     <a:solidFill>
                       <a:srgbClr val="00B0F0"/>
                     </a:solidFill>
@@ -14813,6 +14867,15 @@
                       <a:headEnd type="none" w="med" len="med"/>
                       <a:tailEnd type="none" w="med" len="med"/>
                     </a:lnB>
+                    <a:lnBlToTr w="12700" cap="flat" cmpd="sng" algn="ctr">
+                      <a:solidFill>
+                        <a:schemeClr val="tx1"/>
+                      </a:solidFill>
+                      <a:prstDash val="solid"/>
+                      <a:round/>
+                      <a:headEnd type="none" w="med" len="med"/>
+                      <a:tailEnd type="none" w="med" len="med"/>
+                    </a:lnBlToTr>
                     <a:solidFill>
                       <a:srgbClr val="00B0F0"/>
                     </a:solidFill>
@@ -14868,6 +14931,15 @@
                       <a:headEnd type="none" w="med" len="med"/>
                       <a:tailEnd type="none" w="med" len="med"/>
                     </a:lnB>
+                    <a:lnBlToTr w="12700" cap="flat" cmpd="sng" algn="ctr">
+                      <a:solidFill>
+                        <a:schemeClr val="tx1"/>
+                      </a:solidFill>
+                      <a:prstDash val="solid"/>
+                      <a:round/>
+                      <a:headEnd type="none" w="med" len="med"/>
+                      <a:tailEnd type="none" w="med" len="med"/>
+                    </a:lnBlToTr>
                     <a:solidFill>
                       <a:srgbClr val="00B0F0"/>
                     </a:solidFill>
@@ -14919,6 +14991,15 @@
                       <a:headEnd type="none" w="med" len="med"/>
                       <a:tailEnd type="none" w="med" len="med"/>
                     </a:lnB>
+                    <a:lnBlToTr w="12700" cap="flat" cmpd="sng" algn="ctr">
+                      <a:solidFill>
+                        <a:schemeClr val="tx1"/>
+                      </a:solidFill>
+                      <a:prstDash val="solid"/>
+                      <a:round/>
+                      <a:headEnd type="none" w="med" len="med"/>
+                      <a:tailEnd type="none" w="med" len="med"/>
+                    </a:lnBlToTr>
                     <a:solidFill>
                       <a:srgbClr val="00B0F0"/>
                     </a:solidFill>
@@ -14945,7 +15026,7 @@
                     </a:lnL>
                     <a:lnR w="12700" cap="flat" cmpd="sng" algn="ctr">
                       <a:solidFill>
-                        <a:srgbClr val="00B0F0"/>
+                        <a:schemeClr val="tx1"/>
                       </a:solidFill>
                       <a:prstDash val="solid"/>
                       <a:round/>
@@ -14970,6 +15051,15 @@
                       <a:headEnd type="none" w="med" len="med"/>
                       <a:tailEnd type="none" w="med" len="med"/>
                     </a:lnB>
+                    <a:lnBlToTr w="12700" cap="flat" cmpd="sng" algn="ctr">
+                      <a:solidFill>
+                        <a:schemeClr val="tx1"/>
+                      </a:solidFill>
+                      <a:prstDash val="solid"/>
+                      <a:round/>
+                      <a:headEnd type="none" w="med" len="med"/>
+                      <a:tailEnd type="none" w="med" len="med"/>
+                    </a:lnBlToTr>
                     <a:solidFill>
                       <a:srgbClr val="00B0F0"/>
                     </a:solidFill>
@@ -14987,7 +15077,7 @@
                   <a:tcPr marL="68580" marR="68580" marT="34291" marB="34291" anchor="ctr">
                     <a:lnL w="12700" cap="flat" cmpd="sng" algn="ctr">
                       <a:solidFill>
-                        <a:srgbClr val="00B0F0"/>
+                        <a:schemeClr val="tx1"/>
                       </a:solidFill>
                       <a:prstDash val="solid"/>
                       <a:round/>
@@ -14995,34 +15085,40 @@
                       <a:tailEnd type="none" w="med" len="med"/>
                     </a:lnL>
                     <a:lnR w="12700" cap="flat" cmpd="sng" algn="ctr">
-                      <a:solidFill>
-                        <a:srgbClr val="00B0F0"/>
-                      </a:solidFill>
+                      <a:noFill/>
                       <a:prstDash val="solid"/>
                       <a:round/>
                       <a:headEnd type="none" w="med" len="med"/>
                       <a:tailEnd type="none" w="med" len="med"/>
                     </a:lnR>
                     <a:lnT w="12700" cap="flat" cmpd="sng" algn="ctr">
-                      <a:solidFill>
-                        <a:schemeClr val="tx1"/>
-                      </a:solidFill>
-                      <a:prstDash val="solid"/>
-                      <a:round/>
-                      <a:headEnd type="none" w="med" len="med"/>
-                      <a:tailEnd type="none" w="med" len="med"/>
-                    </a:lnT>
-                    <a:lnB w="12700" cap="flat" cmpd="sng" algn="ctr">
-                      <a:solidFill>
-                        <a:schemeClr val="tx1"/>
-                      </a:solidFill>
-                      <a:prstDash val="solid"/>
-                      <a:round/>
-                      <a:headEnd type="none" w="med" len="med"/>
-                      <a:tailEnd type="none" w="med" len="med"/>
-                    </a:lnB>
-                    <a:solidFill>
-                      <a:srgbClr val="00B0F0"/>
+                      <a:noFill/>
+                      <a:prstDash val="solid"/>
+                      <a:round/>
+                      <a:headEnd type="none" w="med" len="med"/>
+                      <a:tailEnd type="none" w="med" len="med"/>
+                    </a:lnT>
+                    <a:lnB w="12700" cap="flat" cmpd="sng" algn="ctr">
+                      <a:solidFill>
+                        <a:schemeClr val="tx1"/>
+                      </a:solidFill>
+                      <a:prstDash val="solid"/>
+                      <a:round/>
+                      <a:headEnd type="none" w="med" len="med"/>
+                      <a:tailEnd type="none" w="med" len="med"/>
+                    </a:lnB>
+                    <a:lnTlToBr w="12700" cmpd="sng">
+                      <a:noFill/>
+                      <a:prstDash val="solid"/>
+                    </a:lnTlToBr>
+                    <a:lnBlToTr w="12700" cmpd="sng">
+                      <a:noFill/>
+                      <a:prstDash val="solid"/>
+                    </a:lnBlToTr>
+                    <a:solidFill>
+                      <a:schemeClr val="bg1">
+                        <a:lumMod val="85000"/>
+                      </a:schemeClr>
                     </a:solidFill>
                   </a:tcPr>
                 </a:tc>
@@ -15037,43 +15133,47 @@
                   </a:txBody>
                   <a:tcPr marL="68580" marR="68580" marT="34291" marB="34291" anchor="ctr">
                     <a:lnL w="12700" cap="flat" cmpd="sng" algn="ctr">
-                      <a:solidFill>
-                        <a:srgbClr val="00B0F0"/>
-                      </a:solidFill>
+                      <a:noFill/>
                       <a:prstDash val="solid"/>
                       <a:round/>
                       <a:headEnd type="none" w="med" len="med"/>
                       <a:tailEnd type="none" w="med" len="med"/>
                     </a:lnL>
                     <a:lnR w="12700" cap="flat" cmpd="sng" algn="ctr">
-                      <a:solidFill>
-                        <a:schemeClr val="tx1"/>
-                      </a:solidFill>
+                      <a:noFill/>
                       <a:prstDash val="solid"/>
                       <a:round/>
                       <a:headEnd type="none" w="med" len="med"/>
                       <a:tailEnd type="none" w="med" len="med"/>
                     </a:lnR>
                     <a:lnT w="12700" cap="flat" cmpd="sng" algn="ctr">
-                      <a:solidFill>
-                        <a:schemeClr val="tx1"/>
-                      </a:solidFill>
-                      <a:prstDash val="solid"/>
-                      <a:round/>
-                      <a:headEnd type="none" w="med" len="med"/>
-                      <a:tailEnd type="none" w="med" len="med"/>
-                    </a:lnT>
-                    <a:lnB w="12700" cap="flat" cmpd="sng" algn="ctr">
-                      <a:solidFill>
-                        <a:schemeClr val="tx1"/>
-                      </a:solidFill>
-                      <a:prstDash val="solid"/>
-                      <a:round/>
-                      <a:headEnd type="none" w="med" len="med"/>
-                      <a:tailEnd type="none" w="med" len="med"/>
-                    </a:lnB>
-                    <a:solidFill>
-                      <a:srgbClr val="00B0F0"/>
+                      <a:noFill/>
+                      <a:prstDash val="solid"/>
+                      <a:round/>
+                      <a:headEnd type="none" w="med" len="med"/>
+                      <a:tailEnd type="none" w="med" len="med"/>
+                    </a:lnT>
+                    <a:lnB w="12700" cap="flat" cmpd="sng" algn="ctr">
+                      <a:solidFill>
+                        <a:schemeClr val="tx1"/>
+                      </a:solidFill>
+                      <a:prstDash val="solid"/>
+                      <a:round/>
+                      <a:headEnd type="none" w="med" len="med"/>
+                      <a:tailEnd type="none" w="med" len="med"/>
+                    </a:lnB>
+                    <a:lnTlToBr w="12700" cmpd="sng">
+                      <a:noFill/>
+                      <a:prstDash val="solid"/>
+                    </a:lnTlToBr>
+                    <a:lnBlToTr w="12700" cmpd="sng">
+                      <a:noFill/>
+                      <a:prstDash val="solid"/>
+                    </a:lnBlToTr>
+                    <a:solidFill>
+                      <a:schemeClr val="bg1">
+                        <a:lumMod val="85000"/>
+                      </a:schemeClr>
                     </a:solidFill>
                   </a:tcPr>
                 </a:tc>
@@ -15088,9 +15188,7 @@
                   </a:txBody>
                   <a:tcPr marL="68580" marR="68580" marT="34291" marB="34291" anchor="ctr">
                     <a:lnL w="12700" cap="flat" cmpd="sng" algn="ctr">
-                      <a:solidFill>
-                        <a:schemeClr val="tx1"/>
-                      </a:solidFill>
+                      <a:noFill/>
                       <a:prstDash val="solid"/>
                       <a:round/>
                       <a:headEnd type="none" w="med" len="med"/>
@@ -15500,10 +15598,17 @@
                       <a:headEnd type="none" w="med" len="med"/>
                       <a:tailEnd type="none" w="med" len="med"/>
                     </a:lnB>
-                    <a:solidFill>
-                      <a:schemeClr val="bg1">
-                        <a:lumMod val="95000"/>
-                      </a:schemeClr>
+                    <a:lnBlToTr w="12700" cap="flat" cmpd="sng" algn="ctr">
+                      <a:solidFill>
+                        <a:schemeClr val="tx1"/>
+                      </a:solidFill>
+                      <a:prstDash val="solid"/>
+                      <a:round/>
+                      <a:headEnd type="none" w="med" len="med"/>
+                      <a:tailEnd type="none" w="med" len="med"/>
+                    </a:lnBlToTr>
+                    <a:solidFill>
+                      <a:srgbClr val="00B0F0"/>
                     </a:solidFill>
                   </a:tcPr>
                 </a:tc>
@@ -15553,10 +15658,17 @@
                       <a:headEnd type="none" w="med" len="med"/>
                       <a:tailEnd type="none" w="med" len="med"/>
                     </a:lnB>
-                    <a:solidFill>
-                      <a:schemeClr val="bg1">
-                        <a:lumMod val="95000"/>
-                      </a:schemeClr>
+                    <a:lnBlToTr w="12700" cap="flat" cmpd="sng" algn="ctr">
+                      <a:solidFill>
+                        <a:schemeClr val="tx1"/>
+                      </a:solidFill>
+                      <a:prstDash val="solid"/>
+                      <a:round/>
+                      <a:headEnd type="none" w="med" len="med"/>
+                      <a:tailEnd type="none" w="med" len="med"/>
+                    </a:lnBlToTr>
+                    <a:solidFill>
+                      <a:srgbClr val="00B0F0"/>
                     </a:solidFill>
                   </a:tcPr>
                 </a:tc>
@@ -15606,10 +15718,17 @@
                       <a:headEnd type="none" w="med" len="med"/>
                       <a:tailEnd type="none" w="med" len="med"/>
                     </a:lnB>
-                    <a:solidFill>
-                      <a:schemeClr val="bg1">
-                        <a:lumMod val="95000"/>
-                      </a:schemeClr>
+                    <a:lnBlToTr w="12700" cap="flat" cmpd="sng" algn="ctr">
+                      <a:solidFill>
+                        <a:schemeClr val="tx1"/>
+                      </a:solidFill>
+                      <a:prstDash val="solid"/>
+                      <a:round/>
+                      <a:headEnd type="none" w="med" len="med"/>
+                      <a:tailEnd type="none" w="med" len="med"/>
+                    </a:lnBlToTr>
+                    <a:solidFill>
+                      <a:srgbClr val="00B0F0"/>
                     </a:solidFill>
                   </a:tcPr>
                 </a:tc>
@@ -15659,10 +15778,17 @@
                       <a:headEnd type="none" w="med" len="med"/>
                       <a:tailEnd type="none" w="med" len="med"/>
                     </a:lnB>
-                    <a:solidFill>
-                      <a:schemeClr val="bg1">
-                        <a:lumMod val="95000"/>
-                      </a:schemeClr>
+                    <a:lnBlToTr w="12700" cap="flat" cmpd="sng" algn="ctr">
+                      <a:solidFill>
+                        <a:schemeClr val="tx1"/>
+                      </a:solidFill>
+                      <a:prstDash val="solid"/>
+                      <a:round/>
+                      <a:headEnd type="none" w="med" len="med"/>
+                      <a:tailEnd type="none" w="med" len="med"/>
+                    </a:lnBlToTr>
+                    <a:solidFill>
+                      <a:srgbClr val="00B0F0"/>
                     </a:solidFill>
                   </a:tcPr>
                 </a:tc>
@@ -15712,6 +15838,15 @@
                       <a:headEnd type="none" w="med" len="med"/>
                       <a:tailEnd type="none" w="med" len="med"/>
                     </a:lnB>
+                    <a:lnBlToTr w="12700" cap="flat" cmpd="sng" algn="ctr">
+                      <a:solidFill>
+                        <a:schemeClr val="tx1"/>
+                      </a:solidFill>
+                      <a:prstDash val="solid"/>
+                      <a:round/>
+                      <a:headEnd type="none" w="med" len="med"/>
+                      <a:tailEnd type="none" w="med" len="med"/>
+                    </a:lnBlToTr>
                     <a:solidFill>
                       <a:srgbClr val="00B0F0"/>
                     </a:solidFill>
@@ -15763,6 +15898,15 @@
                       <a:headEnd type="none" w="med" len="med"/>
                       <a:tailEnd type="none" w="med" len="med"/>
                     </a:lnB>
+                    <a:lnBlToTr w="12700" cap="flat" cmpd="sng" algn="ctr">
+                      <a:solidFill>
+                        <a:schemeClr val="tx1"/>
+                      </a:solidFill>
+                      <a:prstDash val="solid"/>
+                      <a:round/>
+                      <a:headEnd type="none" w="med" len="med"/>
+                      <a:tailEnd type="none" w="med" len="med"/>
+                    </a:lnBlToTr>
                     <a:solidFill>
                       <a:srgbClr val="00B0F0"/>
                     </a:solidFill>
@@ -15814,6 +15958,15 @@
                       <a:headEnd type="none" w="med" len="med"/>
                       <a:tailEnd type="none" w="med" len="med"/>
                     </a:lnB>
+                    <a:lnBlToTr w="12700" cap="flat" cmpd="sng" algn="ctr">
+                      <a:solidFill>
+                        <a:schemeClr val="tx1"/>
+                      </a:solidFill>
+                      <a:prstDash val="solid"/>
+                      <a:round/>
+                      <a:headEnd type="none" w="med" len="med"/>
+                      <a:tailEnd type="none" w="med" len="med"/>
+                    </a:lnBlToTr>
                     <a:solidFill>
                       <a:srgbClr val="00B0F0"/>
                     </a:solidFill>
@@ -16613,9 +16766,14 @@
                       <a:noFill/>
                       <a:prstDash val="solid"/>
                     </a:lnTlToBr>
-                    <a:lnBlToTr w="12700" cmpd="sng">
-                      <a:noFill/>
-                      <a:prstDash val="solid"/>
+                    <a:lnBlToTr w="12700" cap="flat" cmpd="sng" algn="ctr">
+                      <a:solidFill>
+                        <a:schemeClr val="tx1"/>
+                      </a:solidFill>
+                      <a:prstDash val="solid"/>
+                      <a:round/>
+                      <a:headEnd type="none" w="med" len="med"/>
+                      <a:tailEnd type="none" w="med" len="med"/>
                     </a:lnBlToTr>
                     <a:solidFill>
                       <a:srgbClr val="00B0F0"/>
@@ -16666,9 +16824,14 @@
                       <a:noFill/>
                       <a:prstDash val="solid"/>
                     </a:lnTlToBr>
-                    <a:lnBlToTr w="12700" cmpd="sng">
-                      <a:noFill/>
-                      <a:prstDash val="solid"/>
+                    <a:lnBlToTr w="12700" cap="flat" cmpd="sng" algn="ctr">
+                      <a:solidFill>
+                        <a:schemeClr val="tx1"/>
+                      </a:solidFill>
+                      <a:prstDash val="solid"/>
+                      <a:round/>
+                      <a:headEnd type="none" w="med" len="med"/>
+                      <a:tailEnd type="none" w="med" len="med"/>
                     </a:lnBlToTr>
                     <a:solidFill>
                       <a:srgbClr val="00B0F0"/>
@@ -16719,9 +16882,14 @@
                       <a:noFill/>
                       <a:prstDash val="solid"/>
                     </a:lnTlToBr>
-                    <a:lnBlToTr w="12700" cmpd="sng">
-                      <a:noFill/>
-                      <a:prstDash val="solid"/>
+                    <a:lnBlToTr w="12700" cap="flat" cmpd="sng" algn="ctr">
+                      <a:solidFill>
+                        <a:schemeClr val="tx1"/>
+                      </a:solidFill>
+                      <a:prstDash val="solid"/>
+                      <a:round/>
+                      <a:headEnd type="none" w="med" len="med"/>
+                      <a:tailEnd type="none" w="med" len="med"/>
                     </a:lnBlToTr>
                     <a:solidFill>
                       <a:srgbClr val="00B0F0"/>
@@ -16832,7 +17000,9 @@
                       <a:prstDash val="solid"/>
                     </a:lnBlToTr>
                     <a:solidFill>
-                      <a:srgbClr val="00B0F0"/>
+                      <a:schemeClr val="bg1">
+                        <a:lumMod val="85000"/>
+                      </a:schemeClr>
                     </a:solidFill>
                   </a:tcPr>
                 </a:tc>
@@ -16879,7 +17049,9 @@
                       <a:prstDash val="solid"/>
                     </a:lnBlToTr>
                     <a:solidFill>
-                      <a:srgbClr val="00B0F0"/>
+                      <a:schemeClr val="bg1">
+                        <a:lumMod val="85000"/>
+                      </a:schemeClr>
                     </a:solidFill>
                   </a:tcPr>
                 </a:tc>
@@ -16926,7 +17098,9 @@
                       <a:prstDash val="solid"/>
                     </a:lnBlToTr>
                     <a:solidFill>
-                      <a:srgbClr val="00B0F0"/>
+                      <a:schemeClr val="bg1">
+                        <a:lumMod val="85000"/>
+                      </a:schemeClr>
                     </a:solidFill>
                   </a:tcPr>
                 </a:tc>
@@ -16977,7 +17151,9 @@
                       <a:prstDash val="solid"/>
                     </a:lnBlToTr>
                     <a:solidFill>
-                      <a:srgbClr val="00B0F0"/>
+                      <a:schemeClr val="bg1">
+                        <a:lumMod val="85000"/>
+                      </a:schemeClr>
                     </a:solidFill>
                   </a:tcPr>
                 </a:tc>
@@ -17017,7 +17193,9 @@
                       <a:tailEnd type="none" w="med" len="med"/>
                     </a:lnB>
                     <a:solidFill>
-                      <a:srgbClr val="00B0F0"/>
+                      <a:schemeClr val="bg1">
+                        <a:lumMod val="85000"/>
+                      </a:schemeClr>
                     </a:solidFill>
                   </a:tcPr>
                 </a:tc>
@@ -17050,7 +17228,9 @@
                       <a:tailEnd type="none" w="med" len="med"/>
                     </a:lnB>
                     <a:solidFill>
-                      <a:srgbClr val="00B0F0"/>
+                      <a:schemeClr val="bg1">
+                        <a:lumMod val="85000"/>
+                      </a:schemeClr>
                     </a:solidFill>
                   </a:tcPr>
                 </a:tc>
@@ -17083,7 +17263,9 @@
                       <a:tailEnd type="none" w="med" len="med"/>
                     </a:lnB>
                     <a:solidFill>
-                      <a:srgbClr val="00B0F0"/>
+                      <a:schemeClr val="bg1">
+                        <a:lumMod val="85000"/>
+                      </a:schemeClr>
                     </a:solidFill>
                   </a:tcPr>
                 </a:tc>
@@ -17116,7 +17298,9 @@
                       <a:tailEnd type="none" w="med" len="med"/>
                     </a:lnB>
                     <a:solidFill>
-                      <a:srgbClr val="00B0F0"/>
+                      <a:schemeClr val="bg1">
+                        <a:lumMod val="85000"/>
+                      </a:schemeClr>
                     </a:solidFill>
                   </a:tcPr>
                 </a:tc>
@@ -18469,6 +18653,15 @@
                       <a:headEnd type="none" w="med" len="med"/>
                       <a:tailEnd type="none" w="med" len="med"/>
                     </a:lnB>
+                    <a:lnBlToTr w="12700" cap="flat" cmpd="sng" algn="ctr">
+                      <a:solidFill>
+                        <a:schemeClr val="tx1"/>
+                      </a:solidFill>
+                      <a:prstDash val="solid"/>
+                      <a:round/>
+                      <a:headEnd type="none" w="med" len="med"/>
+                      <a:tailEnd type="none" w="med" len="med"/>
+                    </a:lnBlToTr>
                     <a:solidFill>
                       <a:srgbClr val="00B0F0"/>
                     </a:solidFill>
@@ -18500,6 +18693,15 @@
                       <a:headEnd type="none" w="med" len="med"/>
                       <a:tailEnd type="none" w="med" len="med"/>
                     </a:lnB>
+                    <a:lnBlToTr w="12700" cap="flat" cmpd="sng" algn="ctr">
+                      <a:solidFill>
+                        <a:schemeClr val="tx1"/>
+                      </a:solidFill>
+                      <a:prstDash val="solid"/>
+                      <a:round/>
+                      <a:headEnd type="none" w="med" len="med"/>
+                      <a:tailEnd type="none" w="med" len="med"/>
+                    </a:lnBlToTr>
                     <a:solidFill>
                       <a:srgbClr val="00B0F0"/>
                     </a:solidFill>
@@ -18531,6 +18733,15 @@
                       <a:headEnd type="none" w="med" len="med"/>
                       <a:tailEnd type="none" w="med" len="med"/>
                     </a:lnB>
+                    <a:lnBlToTr w="12700" cap="flat" cmpd="sng" algn="ctr">
+                      <a:solidFill>
+                        <a:schemeClr val="tx1"/>
+                      </a:solidFill>
+                      <a:prstDash val="solid"/>
+                      <a:round/>
+                      <a:headEnd type="none" w="med" len="med"/>
+                      <a:tailEnd type="none" w="med" len="med"/>
+                    </a:lnBlToTr>
                     <a:solidFill>
                       <a:srgbClr val="00B0F0"/>
                     </a:solidFill>
@@ -18623,7 +18834,9 @@
                       <a:tailEnd type="none" w="med" len="med"/>
                     </a:lnB>
                     <a:solidFill>
-                      <a:srgbClr val="00B0F0"/>
+                      <a:schemeClr val="bg1">
+                        <a:lumMod val="85000"/>
+                      </a:schemeClr>
                     </a:solidFill>
                   </a:tcPr>
                 </a:tc>
@@ -18674,7 +18887,9 @@
                       <a:tailEnd type="none" w="med" len="med"/>
                     </a:lnB>
                     <a:solidFill>
-                      <a:srgbClr val="00B0F0"/>
+                      <a:schemeClr val="bg1">
+                        <a:lumMod val="85000"/>
+                      </a:schemeClr>
                     </a:solidFill>
                   </a:tcPr>
                 </a:tc>
@@ -18725,7 +18940,9 @@
                       <a:tailEnd type="none" w="med" len="med"/>
                     </a:lnB>
                     <a:solidFill>
-                      <a:srgbClr val="00B0F0"/>
+                      <a:schemeClr val="bg1">
+                        <a:lumMod val="85000"/>
+                      </a:schemeClr>
                     </a:solidFill>
                   </a:tcPr>
                 </a:tc>
@@ -18776,7 +18993,9 @@
                       <a:tailEnd type="none" w="med" len="med"/>
                     </a:lnB>
                     <a:solidFill>
-                      <a:srgbClr val="00B0F0"/>
+                      <a:schemeClr val="bg1">
+                        <a:lumMod val="85000"/>
+                      </a:schemeClr>
                     </a:solidFill>
                   </a:tcPr>
                 </a:tc>
@@ -18827,7 +19046,9 @@
                       <a:tailEnd type="none" w="med" len="med"/>
                     </a:lnB>
                     <a:solidFill>
-                      <a:srgbClr val="00B0F0"/>
+                      <a:schemeClr val="bg1">
+                        <a:lumMod val="85000"/>
+                      </a:schemeClr>
                     </a:solidFill>
                   </a:tcPr>
                 </a:tc>
@@ -18878,7 +19099,9 @@
                       <a:tailEnd type="none" w="med" len="med"/>
                     </a:lnB>
                     <a:solidFill>
-                      <a:srgbClr val="00B0F0"/>
+                      <a:schemeClr val="bg1">
+                        <a:lumMod val="85000"/>
+                      </a:schemeClr>
                     </a:solidFill>
                   </a:tcPr>
                 </a:tc>
@@ -18929,7 +19152,9 @@
                       <a:tailEnd type="none" w="med" len="med"/>
                     </a:lnB>
                     <a:solidFill>
-                      <a:srgbClr val="00B0F0"/>
+                      <a:schemeClr val="bg1">
+                        <a:lumMod val="85000"/>
+                      </a:schemeClr>
                     </a:solidFill>
                   </a:tcPr>
                 </a:tc>
@@ -18980,7 +19205,9 @@
                       <a:tailEnd type="none" w="med" len="med"/>
                     </a:lnB>
                     <a:solidFill>
-                      <a:srgbClr val="00B0F0"/>
+                      <a:schemeClr val="bg1">
+                        <a:lumMod val="85000"/>
+                      </a:schemeClr>
                     </a:solidFill>
                   </a:tcPr>
                 </a:tc>
